--- a/Presentation.pptx
+++ b/Presentation.pptx
@@ -9,6 +9,7 @@
     <p:sldId id="257" r:id="rId3"/>
     <p:sldId id="258" r:id="rId4"/>
     <p:sldId id="259" r:id="rId5"/>
+    <p:sldId id="260" r:id="rId6"/>
   </p:sldIdLst>
   <p:sldSz cx="12192000" cy="6858000"/>
   <p:notesSz cx="6858000" cy="9144000"/>
@@ -107,6 +108,11 @@
       </a:defRPr>
     </a:lvl9pPr>
   </p:defaultTextStyle>
+  <p:extLst>
+    <p:ext uri="{EFAFB233-063F-42B5-8137-9DF3F51BA10A}">
+      <p15:sldGuideLst xmlns:p15="http://schemas.microsoft.com/office/powerpoint/2012/main"/>
+    </p:ext>
+  </p:extLst>
 </p:presentation>
 </file>
 
@@ -791,7 +797,7 @@
           <a:p>
             <a:fld id="{2F2E002A-CADB-8941-BE72-E46D5EFAF777}" type="datetimeFigureOut">
               <a:rPr lang="en-AT" smtClean="0"/>
-              <a:t>14.01.24</a:t>
+              <a:t>15.01.24</a:t>
             </a:fld>
             <a:endParaRPr lang="en-AT"/>
           </a:p>
@@ -1205,7 +1211,7 @@
           <a:p>
             <a:fld id="{2F2E002A-CADB-8941-BE72-E46D5EFAF777}" type="datetimeFigureOut">
               <a:rPr lang="en-AT" smtClean="0"/>
-              <a:t>14.01.24</a:t>
+              <a:t>15.01.24</a:t>
             </a:fld>
             <a:endParaRPr lang="en-AT"/>
           </a:p>
@@ -1541,7 +1547,7 @@
           <a:p>
             <a:fld id="{2F2E002A-CADB-8941-BE72-E46D5EFAF777}" type="datetimeFigureOut">
               <a:rPr lang="en-AT" smtClean="0"/>
-              <a:t>14.01.24</a:t>
+              <a:t>15.01.24</a:t>
             </a:fld>
             <a:endParaRPr lang="en-AT"/>
           </a:p>
@@ -1946,7 +1952,7 @@
           <a:p>
             <a:fld id="{2F2E002A-CADB-8941-BE72-E46D5EFAF777}" type="datetimeFigureOut">
               <a:rPr lang="en-AT" smtClean="0"/>
-              <a:t>14.01.24</a:t>
+              <a:t>15.01.24</a:t>
             </a:fld>
             <a:endParaRPr lang="en-AT"/>
           </a:p>
@@ -2514,7 +2520,7 @@
           <a:p>
             <a:fld id="{2F2E002A-CADB-8941-BE72-E46D5EFAF777}" type="datetimeFigureOut">
               <a:rPr lang="en-AT" smtClean="0"/>
-              <a:t>14.01.24</a:t>
+              <a:t>15.01.24</a:t>
             </a:fld>
             <a:endParaRPr lang="en-AT"/>
           </a:p>
@@ -3195,7 +3201,7 @@
           <a:p>
             <a:fld id="{2F2E002A-CADB-8941-BE72-E46D5EFAF777}" type="datetimeFigureOut">
               <a:rPr lang="en-AT" smtClean="0"/>
-              <a:t>14.01.24</a:t>
+              <a:t>15.01.24</a:t>
             </a:fld>
             <a:endParaRPr lang="en-AT"/>
           </a:p>
@@ -4108,7 +4114,7 @@
           <a:p>
             <a:fld id="{2F2E002A-CADB-8941-BE72-E46D5EFAF777}" type="datetimeFigureOut">
               <a:rPr lang="en-AT" smtClean="0"/>
-              <a:t>14.01.24</a:t>
+              <a:t>15.01.24</a:t>
             </a:fld>
             <a:endParaRPr lang="en-AT"/>
           </a:p>
@@ -4421,7 +4427,7 @@
           <a:p>
             <a:fld id="{2F2E002A-CADB-8941-BE72-E46D5EFAF777}" type="datetimeFigureOut">
               <a:rPr lang="en-AT" smtClean="0"/>
-              <a:t>14.01.24</a:t>
+              <a:t>15.01.24</a:t>
             </a:fld>
             <a:endParaRPr lang="en-AT"/>
           </a:p>
@@ -4685,7 +4691,7 @@
           <a:p>
             <a:fld id="{2F2E002A-CADB-8941-BE72-E46D5EFAF777}" type="datetimeFigureOut">
               <a:rPr lang="en-AT" smtClean="0"/>
-              <a:t>14.01.24</a:t>
+              <a:t>15.01.24</a:t>
             </a:fld>
             <a:endParaRPr lang="en-AT"/>
           </a:p>
@@ -5008,7 +5014,7 @@
           <a:p>
             <a:fld id="{2F2E002A-CADB-8941-BE72-E46D5EFAF777}" type="datetimeFigureOut">
               <a:rPr lang="en-AT" smtClean="0"/>
-              <a:t>14.01.24</a:t>
+              <a:t>15.01.24</a:t>
             </a:fld>
             <a:endParaRPr lang="en-AT"/>
           </a:p>
@@ -5397,7 +5403,7 @@
           <a:p>
             <a:fld id="{2F2E002A-CADB-8941-BE72-E46D5EFAF777}" type="datetimeFigureOut">
               <a:rPr lang="en-AT" smtClean="0"/>
-              <a:t>14.01.24</a:t>
+              <a:t>15.01.24</a:t>
             </a:fld>
             <a:endParaRPr lang="en-AT"/>
           </a:p>
@@ -5773,7 +5779,7 @@
           <a:p>
             <a:fld id="{2F2E002A-CADB-8941-BE72-E46D5EFAF777}" type="datetimeFigureOut">
               <a:rPr lang="en-AT" smtClean="0"/>
-              <a:t>14.01.24</a:t>
+              <a:t>15.01.24</a:t>
             </a:fld>
             <a:endParaRPr lang="en-AT"/>
           </a:p>
@@ -6279,7 +6285,7 @@
           <a:p>
             <a:fld id="{2F2E002A-CADB-8941-BE72-E46D5EFAF777}" type="datetimeFigureOut">
               <a:rPr lang="en-AT" smtClean="0"/>
-              <a:t>14.01.24</a:t>
+              <a:t>15.01.24</a:t>
             </a:fld>
             <a:endParaRPr lang="en-AT"/>
           </a:p>
@@ -6536,7 +6542,7 @@
           <a:p>
             <a:fld id="{2F2E002A-CADB-8941-BE72-E46D5EFAF777}" type="datetimeFigureOut">
               <a:rPr lang="en-AT" smtClean="0"/>
-              <a:t>14.01.24</a:t>
+              <a:t>15.01.24</a:t>
             </a:fld>
             <a:endParaRPr lang="en-AT"/>
           </a:p>
@@ -6699,7 +6705,7 @@
           <a:p>
             <a:fld id="{2F2E002A-CADB-8941-BE72-E46D5EFAF777}" type="datetimeFigureOut">
               <a:rPr lang="en-AT" smtClean="0"/>
-              <a:t>14.01.24</a:t>
+              <a:t>15.01.24</a:t>
             </a:fld>
             <a:endParaRPr lang="en-AT"/>
           </a:p>
@@ -7089,7 +7095,7 @@
           <a:p>
             <a:fld id="{2F2E002A-CADB-8941-BE72-E46D5EFAF777}" type="datetimeFigureOut">
               <a:rPr lang="en-AT" smtClean="0"/>
-              <a:t>14.01.24</a:t>
+              <a:t>15.01.24</a:t>
             </a:fld>
             <a:endParaRPr lang="en-AT"/>
           </a:p>
@@ -7498,7 +7504,7 @@
           <a:p>
             <a:fld id="{2F2E002A-CADB-8941-BE72-E46D5EFAF777}" type="datetimeFigureOut">
               <a:rPr lang="en-AT" smtClean="0"/>
-              <a:t>14.01.24</a:t>
+              <a:t>15.01.24</a:t>
             </a:fld>
             <a:endParaRPr lang="en-AT"/>
           </a:p>
@@ -7742,7 +7748,7 @@
           <a:p>
             <a:fld id="{2F2E002A-CADB-8941-BE72-E46D5EFAF777}" type="datetimeFigureOut">
               <a:rPr lang="en-AT" smtClean="0"/>
-              <a:t>14.01.24</a:t>
+              <a:t>15.01.24</a:t>
             </a:fld>
             <a:endParaRPr lang="en-AT"/>
           </a:p>
@@ -8512,7 +8518,7 @@
         </p:spPr>
         <p:txBody>
           <a:bodyPr>
-            <a:normAutofit lnSpcReduction="10000"/>
+            <a:normAutofit fontScale="77500" lnSpcReduction="20000"/>
           </a:bodyPr>
           <a:lstStyle/>
           <a:p>
@@ -8527,7 +8533,19 @@
           <a:p>
             <a:r>
               <a:rPr lang="en-AT" dirty="0"/>
-              <a:t>Datsets only linked in paper</a:t>
+              <a:t>Experiment design well set up</a:t>
+            </a:r>
+          </a:p>
+          <a:p>
+            <a:pPr marL="0" indent="0">
+              <a:buNone/>
+            </a:pPr>
+            <a:endParaRPr lang="en-AT" dirty="0"/>
+          </a:p>
+          <a:p>
+            <a:r>
+              <a:rPr lang="en-AT" dirty="0"/>
+              <a:t>Datasets only linked in paper</a:t>
             </a:r>
           </a:p>
           <a:p>
@@ -8552,6 +8570,9 @@
               <a:rPr lang="en-AT" dirty="0"/>
               <a:t>Python-Version not available</a:t>
             </a:r>
+          </a:p>
+          <a:p>
+            <a:endParaRPr lang="en-AT" dirty="0"/>
           </a:p>
           <a:p>
             <a:endParaRPr lang="en-AT" dirty="0"/>
@@ -8655,7 +8676,43 @@
           <a:bodyPr/>
           <a:lstStyle/>
           <a:p>
-            <a:endParaRPr lang="en-AT"/>
+            <a:r>
+              <a:rPr lang="en-AT" dirty="0"/>
+              <a:t>Metrics table provided</a:t>
+            </a:r>
+          </a:p>
+          <a:p>
+            <a:pPr lvl="1"/>
+            <a:r>
+              <a:rPr lang="en-AT" dirty="0"/>
+              <a:t>Not explicitly stated</a:t>
+            </a:r>
+          </a:p>
+          <a:p>
+            <a:pPr lvl="1"/>
+            <a:r>
+              <a:rPr lang="en-AT" dirty="0"/>
+              <a:t>Could benefit from further analysis</a:t>
+            </a:r>
+          </a:p>
+          <a:p>
+            <a:pPr lvl="1"/>
+            <a:endParaRPr lang="en-AT" dirty="0"/>
+          </a:p>
+          <a:p>
+            <a:r>
+              <a:rPr lang="en-AT" dirty="0"/>
+              <a:t>Statistical metrics not necessary, considering the nature of the study</a:t>
+            </a:r>
+          </a:p>
+          <a:p>
+            <a:pPr marL="457200" lvl="1" indent="0">
+              <a:buNone/>
+            </a:pPr>
+            <a:endParaRPr lang="en-AT" dirty="0"/>
+          </a:p>
+          <a:p>
+            <a:endParaRPr lang="en-AT" dirty="0"/>
           </a:p>
         </p:txBody>
       </p:sp>
@@ -8663,6 +8720,109 @@
     <p:extLst>
       <p:ext uri="{BB962C8B-B14F-4D97-AF65-F5344CB8AC3E}">
         <p14:creationId xmlns:p14="http://schemas.microsoft.com/office/powerpoint/2010/main" val="650943966"/>
+      </p:ext>
+    </p:extLst>
+  </p:cSld>
+  <p:clrMapOvr>
+    <a:masterClrMapping/>
+  </p:clrMapOvr>
+</p:sld>
+</file>
+
+<file path=ppt/slides/slide5.xml><?xml version="1.0" encoding="utf-8"?>
+<p:sld xmlns:a="http://schemas.openxmlformats.org/drawingml/2006/main" xmlns:r="http://schemas.openxmlformats.org/officeDocument/2006/relationships" xmlns:p="http://schemas.openxmlformats.org/presentationml/2006/main">
+  <p:cSld>
+    <p:spTree>
+      <p:nvGrpSpPr>
+        <p:cNvPr id="1" name=""/>
+        <p:cNvGrpSpPr/>
+        <p:nvPr/>
+      </p:nvGrpSpPr>
+      <p:grpSpPr>
+        <a:xfrm>
+          <a:off x="0" y="0"/>
+          <a:ext cx="0" cy="0"/>
+          <a:chOff x="0" y="0"/>
+          <a:chExt cx="0" cy="0"/>
+        </a:xfrm>
+      </p:grpSpPr>
+      <p:sp>
+        <p:nvSpPr>
+          <p:cNvPr id="2" name="Title 1">
+            <a:extLst>
+              <a:ext uri="{FF2B5EF4-FFF2-40B4-BE49-F238E27FC236}">
+                <a16:creationId xmlns:a16="http://schemas.microsoft.com/office/drawing/2014/main" id="{A5F1DD42-DC71-775C-05ED-0924ED75DCA8}"/>
+              </a:ext>
+            </a:extLst>
+          </p:cNvPr>
+          <p:cNvSpPr>
+            <a:spLocks noGrp="1"/>
+          </p:cNvSpPr>
+          <p:nvPr>
+            <p:ph type="title"/>
+          </p:nvPr>
+        </p:nvSpPr>
+        <p:spPr/>
+        <p:txBody>
+          <a:bodyPr/>
+          <a:lstStyle/>
+          <a:p>
+            <a:r>
+              <a:rPr lang="en-AT" dirty="0"/>
+              <a:t>Still to do...</a:t>
+            </a:r>
+          </a:p>
+        </p:txBody>
+      </p:sp>
+      <p:sp>
+        <p:nvSpPr>
+          <p:cNvPr id="3" name="Content Placeholder 2">
+            <a:extLst>
+              <a:ext uri="{FF2B5EF4-FFF2-40B4-BE49-F238E27FC236}">
+                <a16:creationId xmlns:a16="http://schemas.microsoft.com/office/drawing/2014/main" id="{6E5F2C78-EA2F-291F-24F6-339911EAFF87}"/>
+              </a:ext>
+            </a:extLst>
+          </p:cNvPr>
+          <p:cNvSpPr>
+            <a:spLocks noGrp="1"/>
+          </p:cNvSpPr>
+          <p:nvPr>
+            <p:ph idx="1"/>
+          </p:nvPr>
+        </p:nvSpPr>
+        <p:spPr/>
+        <p:txBody>
+          <a:bodyPr/>
+          <a:lstStyle/>
+          <a:p>
+            <a:r>
+              <a:rPr lang="en-AT" dirty="0"/>
+              <a:t>Analyze the results</a:t>
+            </a:r>
+          </a:p>
+          <a:p>
+            <a:pPr lvl="1"/>
+            <a:r>
+              <a:rPr lang="en-AT" dirty="0"/>
+              <a:t>Awaiting feedback for the LIWC license needed</a:t>
+            </a:r>
+          </a:p>
+          <a:p>
+            <a:pPr lvl="1"/>
+            <a:endParaRPr lang="en-AT" dirty="0"/>
+          </a:p>
+          <a:p>
+            <a:r>
+              <a:rPr lang="en-AT" dirty="0"/>
+              <a:t>Complete the report</a:t>
+            </a:r>
+          </a:p>
+        </p:txBody>
+      </p:sp>
+    </p:spTree>
+    <p:extLst>
+      <p:ext uri="{BB962C8B-B14F-4D97-AF65-F5344CB8AC3E}">
+        <p14:creationId xmlns:p14="http://schemas.microsoft.com/office/powerpoint/2010/main" val="619803527"/>
       </p:ext>
     </p:extLst>
   </p:cSld>

--- a/Presentation.pptx
+++ b/Presentation.pptx
@@ -129,7 +129,7 @@
   <pc:docChgLst>
     <pc:chgData name="Mazanek, Daniel" userId="fb6c20b1-5642-420f-9525-2e0cb893cdec" providerId="ADAL" clId="{C40DF9CE-239D-3E43-A6EF-DEA50ADB5F31}"/>
     <pc:docChg chg="undo custSel addSld delSld modSld addMainMaster delMainMaster">
-      <pc:chgData name="Mazanek, Daniel" userId="fb6c20b1-5642-420f-9525-2e0cb893cdec" providerId="ADAL" clId="{C40DF9CE-239D-3E43-A6EF-DEA50ADB5F31}" dt="2024-01-14T21:43:49.994" v="778" actId="20577"/>
+      <pc:chgData name="Mazanek, Daniel" userId="fb6c20b1-5642-420f-9525-2e0cb893cdec" providerId="ADAL" clId="{C40DF9CE-239D-3E43-A6EF-DEA50ADB5F31}" dt="2024-01-16T11:38:34.268" v="854" actId="20577"/>
       <pc:docMkLst>
         <pc:docMk/>
       </pc:docMkLst>
@@ -243,13 +243,13 @@
         </pc:spChg>
       </pc:sldChg>
       <pc:sldChg chg="modSp new mod">
-        <pc:chgData name="Mazanek, Daniel" userId="fb6c20b1-5642-420f-9525-2e0cb893cdec" providerId="ADAL" clId="{C40DF9CE-239D-3E43-A6EF-DEA50ADB5F31}" dt="2024-01-14T21:43:13.588" v="776" actId="27636"/>
+        <pc:chgData name="Mazanek, Daniel" userId="fb6c20b1-5642-420f-9525-2e0cb893cdec" providerId="ADAL" clId="{C40DF9CE-239D-3E43-A6EF-DEA50ADB5F31}" dt="2024-01-16T11:38:34.268" v="854" actId="20577"/>
         <pc:sldMkLst>
           <pc:docMk/>
           <pc:sldMk cId="260617794" sldId="258"/>
         </pc:sldMkLst>
         <pc:spChg chg="mod">
-          <ac:chgData name="Mazanek, Daniel" userId="fb6c20b1-5642-420f-9525-2e0cb893cdec" providerId="ADAL" clId="{C40DF9CE-239D-3E43-A6EF-DEA50ADB5F31}" dt="2024-01-14T21:42:21.165" v="769" actId="20577"/>
+          <ac:chgData name="Mazanek, Daniel" userId="fb6c20b1-5642-420f-9525-2e0cb893cdec" providerId="ADAL" clId="{C40DF9CE-239D-3E43-A6EF-DEA50ADB5F31}" dt="2024-01-16T11:37:56.768" v="807" actId="20577"/>
           <ac:spMkLst>
             <pc:docMk/>
             <pc:sldMk cId="260617794" sldId="258"/>
@@ -257,7 +257,7 @@
           </ac:spMkLst>
         </pc:spChg>
         <pc:spChg chg="mod">
-          <ac:chgData name="Mazanek, Daniel" userId="fb6c20b1-5642-420f-9525-2e0cb893cdec" providerId="ADAL" clId="{C40DF9CE-239D-3E43-A6EF-DEA50ADB5F31}" dt="2024-01-14T21:43:13.588" v="776" actId="27636"/>
+          <ac:chgData name="Mazanek, Daniel" userId="fb6c20b1-5642-420f-9525-2e0cb893cdec" providerId="ADAL" clId="{C40DF9CE-239D-3E43-A6EF-DEA50ADB5F31}" dt="2024-01-16T11:38:34.268" v="854" actId="20577"/>
           <ac:spMkLst>
             <pc:docMk/>
             <pc:sldMk cId="260617794" sldId="258"/>
@@ -797,7 +797,7 @@
           <a:p>
             <a:fld id="{2F2E002A-CADB-8941-BE72-E46D5EFAF777}" type="datetimeFigureOut">
               <a:rPr lang="en-AT" smtClean="0"/>
-              <a:t>15.01.24</a:t>
+              <a:t>16.01.24</a:t>
             </a:fld>
             <a:endParaRPr lang="en-AT"/>
           </a:p>
@@ -1211,7 +1211,7 @@
           <a:p>
             <a:fld id="{2F2E002A-CADB-8941-BE72-E46D5EFAF777}" type="datetimeFigureOut">
               <a:rPr lang="en-AT" smtClean="0"/>
-              <a:t>15.01.24</a:t>
+              <a:t>16.01.24</a:t>
             </a:fld>
             <a:endParaRPr lang="en-AT"/>
           </a:p>
@@ -1547,7 +1547,7 @@
           <a:p>
             <a:fld id="{2F2E002A-CADB-8941-BE72-E46D5EFAF777}" type="datetimeFigureOut">
               <a:rPr lang="en-AT" smtClean="0"/>
-              <a:t>15.01.24</a:t>
+              <a:t>16.01.24</a:t>
             </a:fld>
             <a:endParaRPr lang="en-AT"/>
           </a:p>
@@ -1952,7 +1952,7 @@
           <a:p>
             <a:fld id="{2F2E002A-CADB-8941-BE72-E46D5EFAF777}" type="datetimeFigureOut">
               <a:rPr lang="en-AT" smtClean="0"/>
-              <a:t>15.01.24</a:t>
+              <a:t>16.01.24</a:t>
             </a:fld>
             <a:endParaRPr lang="en-AT"/>
           </a:p>
@@ -2520,7 +2520,7 @@
           <a:p>
             <a:fld id="{2F2E002A-CADB-8941-BE72-E46D5EFAF777}" type="datetimeFigureOut">
               <a:rPr lang="en-AT" smtClean="0"/>
-              <a:t>15.01.24</a:t>
+              <a:t>16.01.24</a:t>
             </a:fld>
             <a:endParaRPr lang="en-AT"/>
           </a:p>
@@ -3201,7 +3201,7 @@
           <a:p>
             <a:fld id="{2F2E002A-CADB-8941-BE72-E46D5EFAF777}" type="datetimeFigureOut">
               <a:rPr lang="en-AT" smtClean="0"/>
-              <a:t>15.01.24</a:t>
+              <a:t>16.01.24</a:t>
             </a:fld>
             <a:endParaRPr lang="en-AT"/>
           </a:p>
@@ -4114,7 +4114,7 @@
           <a:p>
             <a:fld id="{2F2E002A-CADB-8941-BE72-E46D5EFAF777}" type="datetimeFigureOut">
               <a:rPr lang="en-AT" smtClean="0"/>
-              <a:t>15.01.24</a:t>
+              <a:t>16.01.24</a:t>
             </a:fld>
             <a:endParaRPr lang="en-AT"/>
           </a:p>
@@ -4427,7 +4427,7 @@
           <a:p>
             <a:fld id="{2F2E002A-CADB-8941-BE72-E46D5EFAF777}" type="datetimeFigureOut">
               <a:rPr lang="en-AT" smtClean="0"/>
-              <a:t>15.01.24</a:t>
+              <a:t>16.01.24</a:t>
             </a:fld>
             <a:endParaRPr lang="en-AT"/>
           </a:p>
@@ -4691,7 +4691,7 @@
           <a:p>
             <a:fld id="{2F2E002A-CADB-8941-BE72-E46D5EFAF777}" type="datetimeFigureOut">
               <a:rPr lang="en-AT" smtClean="0"/>
-              <a:t>15.01.24</a:t>
+              <a:t>16.01.24</a:t>
             </a:fld>
             <a:endParaRPr lang="en-AT"/>
           </a:p>
@@ -5014,7 +5014,7 @@
           <a:p>
             <a:fld id="{2F2E002A-CADB-8941-BE72-E46D5EFAF777}" type="datetimeFigureOut">
               <a:rPr lang="en-AT" smtClean="0"/>
-              <a:t>15.01.24</a:t>
+              <a:t>16.01.24</a:t>
             </a:fld>
             <a:endParaRPr lang="en-AT"/>
           </a:p>
@@ -5403,7 +5403,7 @@
           <a:p>
             <a:fld id="{2F2E002A-CADB-8941-BE72-E46D5EFAF777}" type="datetimeFigureOut">
               <a:rPr lang="en-AT" smtClean="0"/>
-              <a:t>15.01.24</a:t>
+              <a:t>16.01.24</a:t>
             </a:fld>
             <a:endParaRPr lang="en-AT"/>
           </a:p>
@@ -5779,7 +5779,7 @@
           <a:p>
             <a:fld id="{2F2E002A-CADB-8941-BE72-E46D5EFAF777}" type="datetimeFigureOut">
               <a:rPr lang="en-AT" smtClean="0"/>
-              <a:t>15.01.24</a:t>
+              <a:t>16.01.24</a:t>
             </a:fld>
             <a:endParaRPr lang="en-AT"/>
           </a:p>
@@ -6285,7 +6285,7 @@
           <a:p>
             <a:fld id="{2F2E002A-CADB-8941-BE72-E46D5EFAF777}" type="datetimeFigureOut">
               <a:rPr lang="en-AT" smtClean="0"/>
-              <a:t>15.01.24</a:t>
+              <a:t>16.01.24</a:t>
             </a:fld>
             <a:endParaRPr lang="en-AT"/>
           </a:p>
@@ -6542,7 +6542,7 @@
           <a:p>
             <a:fld id="{2F2E002A-CADB-8941-BE72-E46D5EFAF777}" type="datetimeFigureOut">
               <a:rPr lang="en-AT" smtClean="0"/>
-              <a:t>15.01.24</a:t>
+              <a:t>16.01.24</a:t>
             </a:fld>
             <a:endParaRPr lang="en-AT"/>
           </a:p>
@@ -6705,7 +6705,7 @@
           <a:p>
             <a:fld id="{2F2E002A-CADB-8941-BE72-E46D5EFAF777}" type="datetimeFigureOut">
               <a:rPr lang="en-AT" smtClean="0"/>
-              <a:t>15.01.24</a:t>
+              <a:t>16.01.24</a:t>
             </a:fld>
             <a:endParaRPr lang="en-AT"/>
           </a:p>
@@ -7095,7 +7095,7 @@
           <a:p>
             <a:fld id="{2F2E002A-CADB-8941-BE72-E46D5EFAF777}" type="datetimeFigureOut">
               <a:rPr lang="en-AT" smtClean="0"/>
-              <a:t>15.01.24</a:t>
+              <a:t>16.01.24</a:t>
             </a:fld>
             <a:endParaRPr lang="en-AT"/>
           </a:p>
@@ -7504,7 +7504,7 @@
           <a:p>
             <a:fld id="{2F2E002A-CADB-8941-BE72-E46D5EFAF777}" type="datetimeFigureOut">
               <a:rPr lang="en-AT" smtClean="0"/>
-              <a:t>15.01.24</a:t>
+              <a:t>16.01.24</a:t>
             </a:fld>
             <a:endParaRPr lang="en-AT"/>
           </a:p>
@@ -7748,7 +7748,7 @@
           <a:p>
             <a:fld id="{2F2E002A-CADB-8941-BE72-E46D5EFAF777}" type="datetimeFigureOut">
               <a:rPr lang="en-AT" smtClean="0"/>
-              <a:t>15.01.24</a:t>
+              <a:t>16.01.24</a:t>
             </a:fld>
             <a:endParaRPr lang="en-AT"/>
           </a:p>
@@ -8489,7 +8489,7 @@
           <a:p>
             <a:r>
               <a:rPr lang="en-AT" dirty="0"/>
-              <a:t>Reproducing The Author’s Results</a:t>
+              <a:t>Reproducing The Author’s Results - Current</a:t>
             </a:r>
           </a:p>
         </p:txBody>
@@ -8518,7 +8518,7 @@
         </p:spPr>
         <p:txBody>
           <a:bodyPr>
-            <a:normAutofit fontScale="77500" lnSpcReduction="20000"/>
+            <a:normAutofit fontScale="92500" lnSpcReduction="10000"/>
           </a:bodyPr>
           <a:lstStyle/>
           <a:p>
@@ -8575,19 +8575,13 @@
             <a:endParaRPr lang="en-AT" dirty="0"/>
           </a:p>
           <a:p>
+            <a:r>
+              <a:rPr lang="en-AT" sz="2400" dirty="0"/>
+              <a:t>We can run the author’s code (evaluation currently missing)</a:t>
+            </a:r>
+          </a:p>
+          <a:p>
             <a:endParaRPr lang="en-AT" dirty="0"/>
-          </a:p>
-          <a:p>
-            <a:endParaRPr lang="en-AT" dirty="0"/>
-          </a:p>
-          <a:p>
-            <a:pPr marL="0" indent="0" algn="ctr">
-              <a:buNone/>
-            </a:pPr>
-            <a:r>
-              <a:rPr lang="en-AT" sz="2800" b="1" dirty="0"/>
-              <a:t>We can verify the author’s results</a:t>
-            </a:r>
           </a:p>
           <a:p>
             <a:pPr marL="0" indent="0">

--- a/Presentation.pptx
+++ b/Presentation.pptx
@@ -8,8 +8,7 @@
     <p:sldId id="256" r:id="rId2"/>
     <p:sldId id="257" r:id="rId3"/>
     <p:sldId id="258" r:id="rId4"/>
-    <p:sldId id="259" r:id="rId5"/>
-    <p:sldId id="260" r:id="rId6"/>
+    <p:sldId id="260" r:id="rId5"/>
   </p:sldIdLst>
   <p:sldSz cx="12192000" cy="6858000"/>
   <p:notesSz cx="6858000" cy="9144000"/>
@@ -129,7 +128,7 @@
   <pc:docChgLst>
     <pc:chgData name="Mazanek, Daniel" userId="fb6c20b1-5642-420f-9525-2e0cb893cdec" providerId="ADAL" clId="{C40DF9CE-239D-3E43-A6EF-DEA50ADB5F31}"/>
     <pc:docChg chg="undo custSel addSld delSld modSld addMainMaster delMainMaster">
-      <pc:chgData name="Mazanek, Daniel" userId="fb6c20b1-5642-420f-9525-2e0cb893cdec" providerId="ADAL" clId="{C40DF9CE-239D-3E43-A6EF-DEA50ADB5F31}" dt="2024-01-16T11:38:34.268" v="854" actId="20577"/>
+      <pc:chgData name="Mazanek, Daniel" userId="fb6c20b1-5642-420f-9525-2e0cb893cdec" providerId="ADAL" clId="{C40DF9CE-239D-3E43-A6EF-DEA50ADB5F31}" dt="2024-01-14T21:43:49.994" v="778" actId="20577"/>
       <pc:docMkLst>
         <pc:docMk/>
       </pc:docMkLst>
@@ -243,13 +242,13 @@
         </pc:spChg>
       </pc:sldChg>
       <pc:sldChg chg="modSp new mod">
-        <pc:chgData name="Mazanek, Daniel" userId="fb6c20b1-5642-420f-9525-2e0cb893cdec" providerId="ADAL" clId="{C40DF9CE-239D-3E43-A6EF-DEA50ADB5F31}" dt="2024-01-16T11:38:34.268" v="854" actId="20577"/>
+        <pc:chgData name="Mazanek, Daniel" userId="fb6c20b1-5642-420f-9525-2e0cb893cdec" providerId="ADAL" clId="{C40DF9CE-239D-3E43-A6EF-DEA50ADB5F31}" dt="2024-01-14T21:43:13.588" v="776" actId="27636"/>
         <pc:sldMkLst>
           <pc:docMk/>
           <pc:sldMk cId="260617794" sldId="258"/>
         </pc:sldMkLst>
         <pc:spChg chg="mod">
-          <ac:chgData name="Mazanek, Daniel" userId="fb6c20b1-5642-420f-9525-2e0cb893cdec" providerId="ADAL" clId="{C40DF9CE-239D-3E43-A6EF-DEA50ADB5F31}" dt="2024-01-16T11:37:56.768" v="807" actId="20577"/>
+          <ac:chgData name="Mazanek, Daniel" userId="fb6c20b1-5642-420f-9525-2e0cb893cdec" providerId="ADAL" clId="{C40DF9CE-239D-3E43-A6EF-DEA50ADB5F31}" dt="2024-01-14T21:42:21.165" v="769" actId="20577"/>
           <ac:spMkLst>
             <pc:docMk/>
             <pc:sldMk cId="260617794" sldId="258"/>
@@ -257,7 +256,7 @@
           </ac:spMkLst>
         </pc:spChg>
         <pc:spChg chg="mod">
-          <ac:chgData name="Mazanek, Daniel" userId="fb6c20b1-5642-420f-9525-2e0cb893cdec" providerId="ADAL" clId="{C40DF9CE-239D-3E43-A6EF-DEA50ADB5F31}" dt="2024-01-16T11:38:34.268" v="854" actId="20577"/>
+          <ac:chgData name="Mazanek, Daniel" userId="fb6c20b1-5642-420f-9525-2e0cb893cdec" providerId="ADAL" clId="{C40DF9CE-239D-3E43-A6EF-DEA50ADB5F31}" dt="2024-01-14T21:43:13.588" v="776" actId="27636"/>
           <ac:spMkLst>
             <pc:docMk/>
             <pc:sldMk cId="260617794" sldId="258"/>
@@ -8489,7 +8488,7 @@
           <a:p>
             <a:r>
               <a:rPr lang="en-AT" dirty="0"/>
-              <a:t>Reproducing The Author’s Results - Current</a:t>
+              <a:t>Reproducing The Author’s Results</a:t>
             </a:r>
           </a:p>
         </p:txBody>
@@ -8518,7 +8517,7 @@
         </p:spPr>
         <p:txBody>
           <a:bodyPr>
-            <a:normAutofit fontScale="92500" lnSpcReduction="10000"/>
+            <a:normAutofit fontScale="62500" lnSpcReduction="20000"/>
           </a:bodyPr>
           <a:lstStyle/>
           <a:p>
@@ -8576,12 +8575,38 @@
           </a:p>
           <a:p>
             <a:r>
-              <a:rPr lang="en-AT" sz="2400" dirty="0"/>
-              <a:t>We can run the author’s code (evaluation currently missing)</a:t>
-            </a:r>
-          </a:p>
-          <a:p>
+              <a:rPr lang="en-AT" dirty="0"/>
+              <a:t>Metrics table provided</a:t>
+            </a:r>
+          </a:p>
+          <a:p>
+            <a:pPr lvl="1"/>
+            <a:r>
+              <a:rPr lang="en-AT" dirty="0"/>
+              <a:t>Not explicitly stated</a:t>
+            </a:r>
+          </a:p>
+          <a:p>
+            <a:pPr lvl="1"/>
+            <a:r>
+              <a:rPr lang="en-AT" dirty="0"/>
+              <a:t>Could benefit from further analysis</a:t>
+            </a:r>
+          </a:p>
+          <a:p>
+            <a:pPr marL="0" indent="0">
+              <a:buNone/>
+            </a:pPr>
             <a:endParaRPr lang="en-AT" dirty="0"/>
+          </a:p>
+          <a:p>
+            <a:pPr marL="0" indent="0" algn="ctr">
+              <a:buNone/>
+            </a:pPr>
+            <a:r>
+              <a:rPr lang="en-AT" sz="2800" b="1" dirty="0"/>
+              <a:t>We can verify the author’s results</a:t>
+            </a:r>
           </a:p>
           <a:p>
             <a:pPr marL="0" indent="0">
@@ -8605,125 +8630,6 @@
 </file>
 
 <file path=ppt/slides/slide4.xml><?xml version="1.0" encoding="utf-8"?>
-<p:sld xmlns:a="http://schemas.openxmlformats.org/drawingml/2006/main" xmlns:r="http://schemas.openxmlformats.org/officeDocument/2006/relationships" xmlns:p="http://schemas.openxmlformats.org/presentationml/2006/main">
-  <p:cSld>
-    <p:spTree>
-      <p:nvGrpSpPr>
-        <p:cNvPr id="1" name=""/>
-        <p:cNvGrpSpPr/>
-        <p:nvPr/>
-      </p:nvGrpSpPr>
-      <p:grpSpPr>
-        <a:xfrm>
-          <a:off x="0" y="0"/>
-          <a:ext cx="0" cy="0"/>
-          <a:chOff x="0" y="0"/>
-          <a:chExt cx="0" cy="0"/>
-        </a:xfrm>
-      </p:grpSpPr>
-      <p:sp>
-        <p:nvSpPr>
-          <p:cNvPr id="2" name="Title 1">
-            <a:extLst>
-              <a:ext uri="{FF2B5EF4-FFF2-40B4-BE49-F238E27FC236}">
-                <a16:creationId xmlns:a16="http://schemas.microsoft.com/office/drawing/2014/main" id="{DC637C82-66AC-C439-6E7C-71030BC1E47A}"/>
-              </a:ext>
-            </a:extLst>
-          </p:cNvPr>
-          <p:cNvSpPr>
-            <a:spLocks noGrp="1"/>
-          </p:cNvSpPr>
-          <p:nvPr>
-            <p:ph type="title"/>
-          </p:nvPr>
-        </p:nvSpPr>
-        <p:spPr/>
-        <p:txBody>
-          <a:bodyPr/>
-          <a:lstStyle/>
-          <a:p>
-            <a:r>
-              <a:rPr lang="en-AT" dirty="0"/>
-              <a:t>Analyzing Further Problems</a:t>
-            </a:r>
-          </a:p>
-        </p:txBody>
-      </p:sp>
-      <p:sp>
-        <p:nvSpPr>
-          <p:cNvPr id="3" name="Content Placeholder 2">
-            <a:extLst>
-              <a:ext uri="{FF2B5EF4-FFF2-40B4-BE49-F238E27FC236}">
-                <a16:creationId xmlns:a16="http://schemas.microsoft.com/office/drawing/2014/main" id="{AA79CDAA-41A6-354B-0DCE-D696DF7B3EE7}"/>
-              </a:ext>
-            </a:extLst>
-          </p:cNvPr>
-          <p:cNvSpPr>
-            <a:spLocks noGrp="1"/>
-          </p:cNvSpPr>
-          <p:nvPr>
-            <p:ph idx="1"/>
-          </p:nvPr>
-        </p:nvSpPr>
-        <p:spPr/>
-        <p:txBody>
-          <a:bodyPr/>
-          <a:lstStyle/>
-          <a:p>
-            <a:r>
-              <a:rPr lang="en-AT" dirty="0"/>
-              <a:t>Metrics table provided</a:t>
-            </a:r>
-          </a:p>
-          <a:p>
-            <a:pPr lvl="1"/>
-            <a:r>
-              <a:rPr lang="en-AT" dirty="0"/>
-              <a:t>Not explicitly stated</a:t>
-            </a:r>
-          </a:p>
-          <a:p>
-            <a:pPr lvl="1"/>
-            <a:r>
-              <a:rPr lang="en-AT" dirty="0"/>
-              <a:t>Could benefit from further analysis</a:t>
-            </a:r>
-          </a:p>
-          <a:p>
-            <a:pPr lvl="1"/>
-            <a:endParaRPr lang="en-AT" dirty="0"/>
-          </a:p>
-          <a:p>
-            <a:r>
-              <a:rPr lang="en-AT" dirty="0"/>
-              <a:t>Statistical metrics not necessary, considering the nature of the study</a:t>
-            </a:r>
-          </a:p>
-          <a:p>
-            <a:pPr marL="457200" lvl="1" indent="0">
-              <a:buNone/>
-            </a:pPr>
-            <a:endParaRPr lang="en-AT" dirty="0"/>
-          </a:p>
-          <a:p>
-            <a:endParaRPr lang="en-AT" dirty="0"/>
-          </a:p>
-        </p:txBody>
-      </p:sp>
-    </p:spTree>
-    <p:extLst>
-      <p:ext uri="{BB962C8B-B14F-4D97-AF65-F5344CB8AC3E}">
-        <p14:creationId xmlns:p14="http://schemas.microsoft.com/office/powerpoint/2010/main" val="650943966"/>
-      </p:ext>
-    </p:extLst>
-  </p:cSld>
-  <p:clrMapOvr>
-    <a:masterClrMapping/>
-  </p:clrMapOvr>
-</p:sld>
-</file>
-
-<file path=ppt/slides/slide5.xml><?xml version="1.0" encoding="utf-8"?>
 <p:sld xmlns:a="http://schemas.openxmlformats.org/drawingml/2006/main" xmlns:r="http://schemas.openxmlformats.org/officeDocument/2006/relationships" xmlns:p="http://schemas.openxmlformats.org/presentationml/2006/main">
   <p:cSld>
     <p:spTree>

--- a/Presentation.pptx
+++ b/Presentation.pptx
@@ -128,7 +128,7 @@
   <pc:docChgLst>
     <pc:chgData name="Mazanek, Daniel" userId="fb6c20b1-5642-420f-9525-2e0cb893cdec" providerId="ADAL" clId="{C40DF9CE-239D-3E43-A6EF-DEA50ADB5F31}"/>
     <pc:docChg chg="undo custSel addSld delSld modSld addMainMaster delMainMaster">
-      <pc:chgData name="Mazanek, Daniel" userId="fb6c20b1-5642-420f-9525-2e0cb893cdec" providerId="ADAL" clId="{C40DF9CE-239D-3E43-A6EF-DEA50ADB5F31}" dt="2024-01-14T21:43:49.994" v="778" actId="20577"/>
+      <pc:chgData name="Mazanek, Daniel" userId="fb6c20b1-5642-420f-9525-2e0cb893cdec" providerId="ADAL" clId="{C40DF9CE-239D-3E43-A6EF-DEA50ADB5F31}" dt="2024-01-16T14:02:35.094" v="794" actId="113"/>
       <pc:docMkLst>
         <pc:docMk/>
       </pc:docMkLst>
@@ -242,7 +242,7 @@
         </pc:spChg>
       </pc:sldChg>
       <pc:sldChg chg="modSp new mod">
-        <pc:chgData name="Mazanek, Daniel" userId="fb6c20b1-5642-420f-9525-2e0cb893cdec" providerId="ADAL" clId="{C40DF9CE-239D-3E43-A6EF-DEA50ADB5F31}" dt="2024-01-14T21:43:13.588" v="776" actId="27636"/>
+        <pc:chgData name="Mazanek, Daniel" userId="fb6c20b1-5642-420f-9525-2e0cb893cdec" providerId="ADAL" clId="{C40DF9CE-239D-3E43-A6EF-DEA50ADB5F31}" dt="2024-01-16T14:02:35.094" v="794" actId="113"/>
         <pc:sldMkLst>
           <pc:docMk/>
           <pc:sldMk cId="260617794" sldId="258"/>
@@ -256,7 +256,7 @@
           </ac:spMkLst>
         </pc:spChg>
         <pc:spChg chg="mod">
-          <ac:chgData name="Mazanek, Daniel" userId="fb6c20b1-5642-420f-9525-2e0cb893cdec" providerId="ADAL" clId="{C40DF9CE-239D-3E43-A6EF-DEA50ADB5F31}" dt="2024-01-14T21:43:13.588" v="776" actId="27636"/>
+          <ac:chgData name="Mazanek, Daniel" userId="fb6c20b1-5642-420f-9525-2e0cb893cdec" providerId="ADAL" clId="{C40DF9CE-239D-3E43-A6EF-DEA50ADB5F31}" dt="2024-01-16T14:02:35.094" v="794" actId="113"/>
           <ac:spMkLst>
             <pc:docMk/>
             <pc:sldMk cId="260617794" sldId="258"/>
@@ -8517,7 +8517,7 @@
         </p:spPr>
         <p:txBody>
           <a:bodyPr>
-            <a:normAutofit fontScale="62500" lnSpcReduction="20000"/>
+            <a:normAutofit fontScale="70000" lnSpcReduction="20000"/>
           </a:bodyPr>
           <a:lstStyle/>
           <a:p>
@@ -8594,19 +8594,17 @@
             </a:r>
           </a:p>
           <a:p>
+            <a:r>
+              <a:rPr lang="en-AT" sz="2400" dirty="0"/>
+              <a:t>We can run the author’s code</a:t>
+            </a:r>
+            <a:endParaRPr lang="en-AT" dirty="0"/>
+          </a:p>
+          <a:p>
             <a:pPr marL="0" indent="0">
               <a:buNone/>
             </a:pPr>
             <a:endParaRPr lang="en-AT" dirty="0"/>
-          </a:p>
-          <a:p>
-            <a:pPr marL="0" indent="0" algn="ctr">
-              <a:buNone/>
-            </a:pPr>
-            <a:r>
-              <a:rPr lang="en-AT" sz="2800" b="1" dirty="0"/>
-              <a:t>We can verify the author’s results</a:t>
-            </a:r>
           </a:p>
           <a:p>
             <a:pPr marL="0" indent="0">
